--- a/ppt/05-19.pptx
+++ b/ppt/05-19.pptx
@@ -3526,6 +3526,143 @@
           <a:chExt cx="0" cy="0"/>
         </a:xfrm>
       </p:grpSpPr>
+      <p:pic>
+        <p:nvPicPr>
+          <p:cNvPr id="4" name="그림 3"/>
+          <p:cNvPicPr>
+            <a:picLocks noChangeAspect="1"/>
+          </p:cNvPicPr>
+          <p:nvPr/>
+        </p:nvPicPr>
+        <p:blipFill>
+          <a:blip r:embed="rId2"/>
+          <a:stretch>
+            <a:fillRect/>
+          </a:stretch>
+        </p:blipFill>
+        <p:spPr>
+          <a:xfrm>
+            <a:off x="954960" y="1194913"/>
+            <a:ext cx="3896269" cy="1200318"/>
+          </a:xfrm>
+          <a:prstGeom prst="rect">
+            <a:avLst/>
+          </a:prstGeom>
+        </p:spPr>
+      </p:pic>
+      <p:sp>
+        <p:nvSpPr>
+          <p:cNvPr id="3" name="TextBox 2">
+            <a:extLst>
+              <a:ext uri="{FF2B5EF4-FFF2-40B4-BE49-F238E27FC236}">
+                <a16:creationId xmlns:a16="http://schemas.microsoft.com/office/drawing/2014/main" id="{DA248B87-5069-66B8-053F-D32A5F084A81}"/>
+              </a:ext>
+            </a:extLst>
+          </p:cNvPr>
+          <p:cNvSpPr txBox="1"/>
+          <p:nvPr/>
+        </p:nvSpPr>
+        <p:spPr>
+          <a:xfrm>
+            <a:off x="5400207" y="1658532"/>
+            <a:ext cx="2746265" cy="307777"/>
+          </a:xfrm>
+          <a:prstGeom prst="rect">
+            <a:avLst/>
+          </a:prstGeom>
+          <a:noFill/>
+        </p:spPr>
+        <p:txBody>
+          <a:bodyPr wrap="none" rtlCol="0">
+            <a:spAutoFit/>
+          </a:bodyPr>
+          <a:lstStyle/>
+          <a:p>
+            <a:r>
+              <a:rPr lang="ko-KR" altLang="en-US" sz="1400" dirty="0" smtClean="0"/>
+              <a:t>아이콘 </a:t>
+            </a:r>
+            <a:r>
+              <a:rPr lang="ko-KR" altLang="en-US" sz="1400" dirty="0" smtClean="0"/>
+              <a:t>및 내용을 변경했습니다</a:t>
+            </a:r>
+            <a:r>
+              <a:rPr lang="en-US" altLang="ko-KR" sz="1400" dirty="0" smtClean="0"/>
+              <a:t>.</a:t>
+            </a:r>
+            <a:endParaRPr lang="ko-KR" altLang="en-US" sz="1400" dirty="0"/>
+          </a:p>
+        </p:txBody>
+      </p:sp>
+      <p:cxnSp>
+        <p:nvCxnSpPr>
+          <p:cNvPr id="5" name="직선 화살표 연결선 4"/>
+          <p:cNvCxnSpPr/>
+          <p:nvPr/>
+        </p:nvCxnSpPr>
+        <p:spPr>
+          <a:xfrm flipH="1">
+            <a:off x="4549515" y="1798820"/>
+            <a:ext cx="794479" cy="0"/>
+          </a:xfrm>
+          <a:prstGeom prst="straightConnector1">
+            <a:avLst/>
+          </a:prstGeom>
+          <a:ln>
+            <a:tailEnd type="triangle"/>
+          </a:ln>
+        </p:spPr>
+        <p:style>
+          <a:lnRef idx="1">
+            <a:schemeClr val="accent1"/>
+          </a:lnRef>
+          <a:fillRef idx="0">
+            <a:schemeClr val="accent1"/>
+          </a:fillRef>
+          <a:effectRef idx="0">
+            <a:schemeClr val="accent1"/>
+          </a:effectRef>
+          <a:fontRef idx="minor">
+            <a:schemeClr val="tx1"/>
+          </a:fontRef>
+        </p:style>
+      </p:cxnSp>
+      <p:sp>
+        <p:nvSpPr>
+          <p:cNvPr id="6" name="TextBox 5">
+            <a:extLst>
+              <a:ext uri="{FF2B5EF4-FFF2-40B4-BE49-F238E27FC236}">
+                <a16:creationId xmlns:a16="http://schemas.microsoft.com/office/drawing/2014/main" id="{B35CC9F4-688C-7A8A-DB21-ECB6CE0C04A9}"/>
+              </a:ext>
+            </a:extLst>
+          </p:cNvPr>
+          <p:cNvSpPr txBox="1"/>
+          <p:nvPr/>
+        </p:nvSpPr>
+        <p:spPr>
+          <a:xfrm>
+            <a:off x="299803" y="217357"/>
+            <a:ext cx="1872629" cy="369332"/>
+          </a:xfrm>
+          <a:prstGeom prst="rect">
+            <a:avLst/>
+          </a:prstGeom>
+          <a:noFill/>
+        </p:spPr>
+        <p:txBody>
+          <a:bodyPr wrap="none" rtlCol="0">
+            <a:spAutoFit/>
+          </a:bodyPr>
+          <a:lstStyle/>
+          <a:p>
+            <a:r>
+              <a:rPr lang="en-US" altLang="ko-KR" dirty="0"/>
+              <a:t>UI-SJN-01-001U</a:t>
+            </a:r>
+            <a:endParaRPr lang="ko-KR" altLang="en-US" dirty="0"/>
+          </a:p>
+        </p:txBody>
+      </p:sp>
     </p:spTree>
     <p:extLst>
       <p:ext uri="{BB962C8B-B14F-4D97-AF65-F5344CB8AC3E}">
